--- a/Object Detection in Medical Images.pptx
+++ b/Object Detection in Medical Images.pptx
@@ -5,14 +5,16 @@
     <p:sldMasterId id="2147483648" r:id="rId1"/>
   </p:sldMasterIdLst>
   <p:notesMasterIdLst>
-    <p:notesMasterId r:id="rId4"/>
+    <p:notesMasterId r:id="rId6"/>
   </p:notesMasterIdLst>
   <p:handoutMasterIdLst>
-    <p:handoutMasterId r:id="rId5"/>
+    <p:handoutMasterId r:id="rId7"/>
   </p:handoutMasterIdLst>
   <p:sldIdLst>
     <p:sldId id="258" r:id="rId2"/>
     <p:sldId id="257" r:id="rId3"/>
+    <p:sldId id="259" r:id="rId4"/>
+    <p:sldId id="260" r:id="rId5"/>
   </p:sldIdLst>
   <p:sldSz cx="9144000" cy="6858000" type="screen4x3"/>
   <p:notesSz cx="6858000" cy="9144000"/>
@@ -479,7 +481,7 @@
         <p:nvSpPr>
           <p:cNvPr id="16388" name="Rectangle 4"/>
           <p:cNvSpPr>
-            <a:spLocks noChangeArrowheads="1" noTextEdit="1"/>
+            <a:spLocks noGrp="1" noRot="1" noChangeAspect="1" noChangeArrowheads="1" noTextEdit="1"/>
           </p:cNvSpPr>
           <p:nvPr>
             <p:ph type="sldImg" idx="2"/>
@@ -3237,7 +3239,6 @@
               <a:rPr lang="en-US" smtClean="0"/>
               <a:t>Click to edit Master title style</a:t>
             </a:r>
-            <a:endParaRPr lang="en-US" smtClean="0"/>
           </a:p>
         </p:txBody>
       </p:sp>
@@ -3309,7 +3310,6 @@
               <a:rPr lang="en-US" smtClean="0"/>
               <a:t>Fifth level</a:t>
             </a:r>
-            <a:endParaRPr lang="en-US" smtClean="0"/>
           </a:p>
         </p:txBody>
       </p:sp>
@@ -4117,7 +4117,7 @@
           <a:p>
             <a:r>
               <a:rPr lang="nl-NL" dirty="0" smtClean="0"/>
-              <a:t>Introduction</a:t>
+              <a:t>Problem to be solved</a:t>
             </a:r>
             <a:endParaRPr lang="nl-NL" dirty="0"/>
           </a:p>
@@ -4161,6 +4161,361 @@
               <a:t>Our work- Detecting femoral head in 2D X Ray Image.</a:t>
             </a:r>
             <a:endParaRPr lang="nl-NL" dirty="0"/>
+          </a:p>
+        </p:txBody>
+      </p:sp>
+    </p:spTree>
+  </p:cSld>
+  <p:clrMapOvr>
+    <a:masterClrMapping/>
+  </p:clrMapOvr>
+</p:sld>
+</file>
+
+<file path=ppt/slides/slide3.xml><?xml version="1.0" encoding="utf-8"?>
+<p:sld xmlns:a="http://schemas.openxmlformats.org/drawingml/2006/main" xmlns:r="http://schemas.openxmlformats.org/officeDocument/2006/relationships" xmlns:p="http://schemas.openxmlformats.org/presentationml/2006/main">
+  <p:cSld>
+    <p:spTree>
+      <p:nvGrpSpPr>
+        <p:cNvPr id="1" name=""/>
+        <p:cNvGrpSpPr/>
+        <p:nvPr/>
+      </p:nvGrpSpPr>
+      <p:grpSpPr>
+        <a:xfrm>
+          <a:off x="0" y="0"/>
+          <a:ext cx="0" cy="0"/>
+          <a:chOff x="0" y="0"/>
+          <a:chExt cx="0" cy="0"/>
+        </a:xfrm>
+      </p:grpSpPr>
+      <p:sp>
+        <p:nvSpPr>
+          <p:cNvPr id="2" name="Title 1"/>
+          <p:cNvSpPr>
+            <a:spLocks noGrp="1"/>
+          </p:cNvSpPr>
+          <p:nvPr>
+            <p:ph type="title"/>
+          </p:nvPr>
+        </p:nvSpPr>
+        <p:spPr/>
+        <p:txBody>
+          <a:bodyPr/>
+          <a:lstStyle/>
+          <a:p>
+            <a:r>
+              <a:rPr lang="en-US" dirty="0" smtClean="0"/>
+              <a:t>Histogram of Oriented Gradients </a:t>
+            </a:r>
+            <a:endParaRPr lang="en-US" dirty="0"/>
+          </a:p>
+        </p:txBody>
+      </p:sp>
+      <p:sp>
+        <p:nvSpPr>
+          <p:cNvPr id="3" name="Content Placeholder 2"/>
+          <p:cNvSpPr>
+            <a:spLocks noGrp="1"/>
+          </p:cNvSpPr>
+          <p:nvPr>
+            <p:ph idx="1"/>
+          </p:nvPr>
+        </p:nvSpPr>
+        <p:spPr>
+          <a:xfrm>
+            <a:off x="714348" y="1500174"/>
+            <a:ext cx="7772400" cy="3778250"/>
+          </a:xfrm>
+        </p:spPr>
+        <p:txBody>
+          <a:bodyPr/>
+          <a:lstStyle/>
+          <a:p>
+            <a:r>
+              <a:rPr lang="en-US" dirty="0" smtClean="0"/>
+              <a:t>Object shape/appearance in image can be </a:t>
+            </a:r>
+            <a:r>
+              <a:rPr lang="en-US" dirty="0" smtClean="0"/>
+              <a:t>described as a distribution of intensity gradients or edge directions. </a:t>
+            </a:r>
+            <a:endParaRPr lang="en-US" dirty="0" smtClean="0"/>
+          </a:p>
+          <a:p>
+            <a:r>
+              <a:rPr lang="en-US" dirty="0" smtClean="0"/>
+              <a:t>Image </a:t>
+            </a:r>
+            <a:r>
+              <a:rPr lang="en-US" dirty="0" smtClean="0"/>
+              <a:t>divided into small regions(cells</a:t>
+            </a:r>
+            <a:r>
+              <a:rPr lang="en-US" dirty="0" smtClean="0"/>
+              <a:t>); </a:t>
+            </a:r>
+            <a:r>
+              <a:rPr lang="en-US" dirty="0" smtClean="0"/>
+              <a:t>histograms of gradient direction for each pixel in a particular ’cell’ </a:t>
+            </a:r>
+            <a:r>
+              <a:rPr lang="en-US" dirty="0" smtClean="0"/>
+              <a:t> </a:t>
+            </a:r>
+            <a:r>
+              <a:rPr lang="en-US" dirty="0" smtClean="0"/>
+              <a:t>computed. </a:t>
+            </a:r>
+            <a:endParaRPr lang="en-US" dirty="0" smtClean="0"/>
+          </a:p>
+          <a:p>
+            <a:r>
+              <a:rPr lang="en-US" dirty="0" smtClean="0"/>
+              <a:t>HOG descriptor </a:t>
+            </a:r>
+            <a:r>
+              <a:rPr lang="en-US" dirty="0" smtClean="0"/>
+              <a:t>made by </a:t>
+            </a:r>
+            <a:r>
+              <a:rPr lang="en-US" dirty="0" smtClean="0"/>
+              <a:t>concatenating </a:t>
+            </a:r>
+            <a:r>
+              <a:rPr lang="en-US" dirty="0" smtClean="0"/>
+              <a:t>all </a:t>
+            </a:r>
+            <a:r>
+              <a:rPr lang="en-US" dirty="0" smtClean="0"/>
+              <a:t>histograms </a:t>
+            </a:r>
+            <a:r>
+              <a:rPr lang="en-US" dirty="0" smtClean="0"/>
+              <a:t>from each cell. </a:t>
+            </a:r>
+            <a:endParaRPr lang="en-US" dirty="0" smtClean="0"/>
+          </a:p>
+          <a:p>
+            <a:r>
+              <a:rPr lang="en-US" dirty="0" smtClean="0"/>
+              <a:t>Histograms </a:t>
+            </a:r>
+            <a:r>
+              <a:rPr lang="en-US" dirty="0" smtClean="0"/>
+              <a:t>contrast normalized </a:t>
+            </a:r>
+            <a:r>
+              <a:rPr lang="en-US" dirty="0" smtClean="0"/>
+              <a:t>across ’block’  (larger </a:t>
+            </a:r>
+            <a:r>
+              <a:rPr lang="en-US" dirty="0" smtClean="0"/>
+              <a:t>spatial </a:t>
+            </a:r>
+            <a:r>
+              <a:rPr lang="en-US" dirty="0" smtClean="0"/>
+              <a:t>region); </a:t>
+            </a:r>
+            <a:r>
+              <a:rPr lang="en-US" dirty="0" smtClean="0"/>
+              <a:t>eventually over </a:t>
+            </a:r>
+            <a:r>
+              <a:rPr lang="en-US" dirty="0" smtClean="0"/>
+              <a:t>all </a:t>
+            </a:r>
+            <a:r>
+              <a:rPr lang="en-US" dirty="0" smtClean="0"/>
+              <a:t>cells </a:t>
+            </a:r>
+            <a:r>
+              <a:rPr lang="en-US" dirty="0" smtClean="0"/>
+              <a:t>in </a:t>
+            </a:r>
+            <a:r>
+              <a:rPr lang="en-US" dirty="0" smtClean="0"/>
+              <a:t>block for better accuracy. </a:t>
+            </a:r>
+            <a:endParaRPr lang="en-US" dirty="0"/>
+          </a:p>
+        </p:txBody>
+      </p:sp>
+      <p:sp>
+        <p:nvSpPr>
+          <p:cNvPr id="4" name="Date Placeholder 3"/>
+          <p:cNvSpPr>
+            <a:spLocks noGrp="1"/>
+          </p:cNvSpPr>
+          <p:nvPr>
+            <p:ph type="dt" sz="half" idx="10"/>
+          </p:nvPr>
+        </p:nvSpPr>
+        <p:spPr/>
+        <p:txBody>
+          <a:bodyPr/>
+          <a:lstStyle/>
+          <a:p>
+            <a:fld id="{31DCBD78-A96A-4270-BAB0-39853B6FFB02}" type="datetime4">
+              <a:rPr lang="en-US" smtClean="0"/>
+              <a:pPr/>
+              <a:t>January 26, 2016</a:t>
+            </a:fld>
+            <a:endParaRPr lang="en-US"/>
+          </a:p>
+        </p:txBody>
+      </p:sp>
+      <p:sp>
+        <p:nvSpPr>
+          <p:cNvPr id="5" name="Slide Number Placeholder 4"/>
+          <p:cNvSpPr>
+            <a:spLocks noGrp="1"/>
+          </p:cNvSpPr>
+          <p:nvPr>
+            <p:ph type="sldNum" sz="quarter" idx="11"/>
+          </p:nvPr>
+        </p:nvSpPr>
+        <p:spPr/>
+        <p:txBody>
+          <a:bodyPr/>
+          <a:lstStyle/>
+          <a:p>
+            <a:fld id="{88D8622A-5DD6-42D7-8A47-02974637B487}" type="slidenum">
+              <a:rPr lang="en-US" smtClean="0"/>
+              <a:pPr/>
+              <a:t>3</a:t>
+            </a:fld>
+            <a:endParaRPr lang="en-US"/>
+          </a:p>
+        </p:txBody>
+      </p:sp>
+    </p:spTree>
+  </p:cSld>
+  <p:clrMapOvr>
+    <a:masterClrMapping/>
+  </p:clrMapOvr>
+  <p:timing>
+    <p:tnLst>
+      <p:par>
+        <p:cTn id="1" dur="indefinite" restart="never" nodeType="tmRoot"/>
+      </p:par>
+    </p:tnLst>
+  </p:timing>
+</p:sld>
+</file>
+
+<file path=ppt/slides/slide4.xml><?xml version="1.0" encoding="utf-8"?>
+<p:sld xmlns:a="http://schemas.openxmlformats.org/drawingml/2006/main" xmlns:r="http://schemas.openxmlformats.org/officeDocument/2006/relationships" xmlns:p="http://schemas.openxmlformats.org/presentationml/2006/main">
+  <p:cSld>
+    <p:spTree>
+      <p:nvGrpSpPr>
+        <p:cNvPr id="1" name=""/>
+        <p:cNvGrpSpPr/>
+        <p:nvPr/>
+      </p:nvGrpSpPr>
+      <p:grpSpPr>
+        <a:xfrm>
+          <a:off x="0" y="0"/>
+          <a:ext cx="0" cy="0"/>
+          <a:chOff x="0" y="0"/>
+          <a:chExt cx="0" cy="0"/>
+        </a:xfrm>
+      </p:grpSpPr>
+      <p:sp>
+        <p:nvSpPr>
+          <p:cNvPr id="2" name="Title 1"/>
+          <p:cNvSpPr>
+            <a:spLocks noGrp="1"/>
+          </p:cNvSpPr>
+          <p:nvPr>
+            <p:ph type="title"/>
+          </p:nvPr>
+        </p:nvSpPr>
+        <p:spPr/>
+        <p:txBody>
+          <a:bodyPr/>
+          <a:lstStyle/>
+          <a:p>
+            <a:r>
+              <a:rPr lang="en-US" dirty="0" smtClean="0"/>
+              <a:t>Approaches used</a:t>
+            </a:r>
+            <a:endParaRPr lang="en-US" dirty="0"/>
+          </a:p>
+        </p:txBody>
+      </p:sp>
+      <p:sp>
+        <p:nvSpPr>
+          <p:cNvPr id="3" name="Content Placeholder 2"/>
+          <p:cNvSpPr>
+            <a:spLocks noGrp="1"/>
+          </p:cNvSpPr>
+          <p:nvPr>
+            <p:ph idx="1"/>
+          </p:nvPr>
+        </p:nvSpPr>
+        <p:spPr/>
+        <p:txBody>
+          <a:bodyPr/>
+          <a:lstStyle/>
+          <a:p>
+            <a:r>
+              <a:rPr lang="en-US" dirty="0" smtClean="0"/>
+              <a:t>Approach 1</a:t>
+            </a:r>
+            <a:r>
+              <a:rPr lang="en-US" smtClean="0"/>
+              <a:t>: Probabilities </a:t>
+            </a:r>
+            <a:endParaRPr lang="en-US" dirty="0"/>
+          </a:p>
+        </p:txBody>
+      </p:sp>
+      <p:sp>
+        <p:nvSpPr>
+          <p:cNvPr id="4" name="Date Placeholder 3"/>
+          <p:cNvSpPr>
+            <a:spLocks noGrp="1"/>
+          </p:cNvSpPr>
+          <p:nvPr>
+            <p:ph type="dt" sz="half" idx="10"/>
+          </p:nvPr>
+        </p:nvSpPr>
+        <p:spPr/>
+        <p:txBody>
+          <a:bodyPr/>
+          <a:lstStyle/>
+          <a:p>
+            <a:fld id="{31DCBD78-A96A-4270-BAB0-39853B6FFB02}" type="datetime4">
+              <a:rPr lang="en-US" smtClean="0"/>
+              <a:pPr/>
+              <a:t>January 26, 2016</a:t>
+            </a:fld>
+            <a:endParaRPr lang="en-US"/>
+          </a:p>
+        </p:txBody>
+      </p:sp>
+      <p:sp>
+        <p:nvSpPr>
+          <p:cNvPr id="5" name="Slide Number Placeholder 4"/>
+          <p:cNvSpPr>
+            <a:spLocks noGrp="1"/>
+          </p:cNvSpPr>
+          <p:nvPr>
+            <p:ph type="sldNum" sz="quarter" idx="11"/>
+          </p:nvPr>
+        </p:nvSpPr>
+        <p:spPr/>
+        <p:txBody>
+          <a:bodyPr/>
+          <a:lstStyle/>
+          <a:p>
+            <a:fld id="{88D8622A-5DD6-42D7-8A47-02974637B487}" type="slidenum">
+              <a:rPr lang="en-US" smtClean="0"/>
+              <a:pPr/>
+              <a:t>4</a:t>
+            </a:fld>
+            <a:endParaRPr lang="en-US"/>
           </a:p>
         </p:txBody>
       </p:sp>

--- a/Object Detection in Medical Images.pptx
+++ b/Object Detection in Medical Images.pptx
@@ -4234,108 +4234,25 @@
           <a:p>
             <a:r>
               <a:rPr lang="en-US" dirty="0" smtClean="0"/>
-              <a:t>Object shape/appearance in image can be </a:t>
-            </a:r>
+              <a:t>Object shape/appearance in image can be described as a distribution of intensity gradients or edge directions. </a:t>
+            </a:r>
+          </a:p>
+          <a:p>
             <a:r>
               <a:rPr lang="en-US" dirty="0" smtClean="0"/>
-              <a:t>described as a distribution of intensity gradients or edge directions. </a:t>
-            </a:r>
-            <a:endParaRPr lang="en-US" dirty="0" smtClean="0"/>
+              <a:t>Image divided into small regions(cells); histograms of gradient direction for each pixel in a particular ’cell’  computed. </a:t>
+            </a:r>
           </a:p>
           <a:p>
             <a:r>
               <a:rPr lang="en-US" dirty="0" smtClean="0"/>
-              <a:t>Image </a:t>
-            </a:r>
+              <a:t>HOG descriptor made by concatenating all histograms from each cell. </a:t>
+            </a:r>
+          </a:p>
+          <a:p>
             <a:r>
               <a:rPr lang="en-US" dirty="0" smtClean="0"/>
-              <a:t>divided into small regions(cells</a:t>
-            </a:r>
-            <a:r>
-              <a:rPr lang="en-US" dirty="0" smtClean="0"/>
-              <a:t>); </a:t>
-            </a:r>
-            <a:r>
-              <a:rPr lang="en-US" dirty="0" smtClean="0"/>
-              <a:t>histograms of gradient direction for each pixel in a particular ’cell’ </a:t>
-            </a:r>
-            <a:r>
-              <a:rPr lang="en-US" dirty="0" smtClean="0"/>
-              <a:t> </a:t>
-            </a:r>
-            <a:r>
-              <a:rPr lang="en-US" dirty="0" smtClean="0"/>
-              <a:t>computed. </a:t>
-            </a:r>
-            <a:endParaRPr lang="en-US" dirty="0" smtClean="0"/>
-          </a:p>
-          <a:p>
-            <a:r>
-              <a:rPr lang="en-US" dirty="0" smtClean="0"/>
-              <a:t>HOG descriptor </a:t>
-            </a:r>
-            <a:r>
-              <a:rPr lang="en-US" dirty="0" smtClean="0"/>
-              <a:t>made by </a:t>
-            </a:r>
-            <a:r>
-              <a:rPr lang="en-US" dirty="0" smtClean="0"/>
-              <a:t>concatenating </a:t>
-            </a:r>
-            <a:r>
-              <a:rPr lang="en-US" dirty="0" smtClean="0"/>
-              <a:t>all </a:t>
-            </a:r>
-            <a:r>
-              <a:rPr lang="en-US" dirty="0" smtClean="0"/>
-              <a:t>histograms </a:t>
-            </a:r>
-            <a:r>
-              <a:rPr lang="en-US" dirty="0" smtClean="0"/>
-              <a:t>from each cell. </a:t>
-            </a:r>
-            <a:endParaRPr lang="en-US" dirty="0" smtClean="0"/>
-          </a:p>
-          <a:p>
-            <a:r>
-              <a:rPr lang="en-US" dirty="0" smtClean="0"/>
-              <a:t>Histograms </a:t>
-            </a:r>
-            <a:r>
-              <a:rPr lang="en-US" dirty="0" smtClean="0"/>
-              <a:t>contrast normalized </a:t>
-            </a:r>
-            <a:r>
-              <a:rPr lang="en-US" dirty="0" smtClean="0"/>
-              <a:t>across ’block’  (larger </a:t>
-            </a:r>
-            <a:r>
-              <a:rPr lang="en-US" dirty="0" smtClean="0"/>
-              <a:t>spatial </a:t>
-            </a:r>
-            <a:r>
-              <a:rPr lang="en-US" dirty="0" smtClean="0"/>
-              <a:t>region); </a:t>
-            </a:r>
-            <a:r>
-              <a:rPr lang="en-US" dirty="0" smtClean="0"/>
-              <a:t>eventually over </a:t>
-            </a:r>
-            <a:r>
-              <a:rPr lang="en-US" dirty="0" smtClean="0"/>
-              <a:t>all </a:t>
-            </a:r>
-            <a:r>
-              <a:rPr lang="en-US" dirty="0" smtClean="0"/>
-              <a:t>cells </a:t>
-            </a:r>
-            <a:r>
-              <a:rPr lang="en-US" dirty="0" smtClean="0"/>
-              <a:t>in </a:t>
-            </a:r>
-            <a:r>
-              <a:rPr lang="en-US" dirty="0" smtClean="0"/>
-              <a:t>block for better accuracy. </a:t>
+              <a:t>Histograms contrast normalized across ’block’  (larger spatial region); eventually over all cells in block for better accuracy. </a:t>
             </a:r>
             <a:endParaRPr lang="en-US" dirty="0"/>
           </a:p>
@@ -4436,10 +4353,6 @@
           <a:bodyPr/>
           <a:lstStyle/>
           <a:p>
-            <a:r>
-              <a:rPr lang="en-US" dirty="0" smtClean="0"/>
-              <a:t>Approaches used</a:t>
-            </a:r>
             <a:endParaRPr lang="en-US" dirty="0"/>
           </a:p>
         </p:txBody>
@@ -4459,14 +4372,6 @@
           <a:bodyPr/>
           <a:lstStyle/>
           <a:p>
-            <a:r>
-              <a:rPr lang="en-US" dirty="0" smtClean="0"/>
-              <a:t>Approach 1</a:t>
-            </a:r>
-            <a:r>
-              <a:rPr lang="en-US" smtClean="0"/>
-              <a:t>: Probabilities </a:t>
-            </a:r>
             <a:endParaRPr lang="en-US" dirty="0"/>
           </a:p>
         </p:txBody>
